--- a/other2/thomas/UVa1476_ErrorCurves/UVa1476_ErrorCurves.pptx
+++ b/other2/thomas/UVa1476_ErrorCurves/UVa1476_ErrorCurves.pptx
@@ -6,6 +6,7 @@
   </p:sldMasterIdLst>
   <p:sldIdLst>
     <p:sldId id="256" r:id="rId2"/>
+    <p:sldId id="257" r:id="rId3"/>
   </p:sldIdLst>
   <p:sldSz cx="12192000" cy="6858000"/>
   <p:notesSz cx="6858000" cy="9144000"/>
@@ -104,6 +105,11 @@
       </a:defRPr>
     </a:lvl9pPr>
   </p:defaultTextStyle>
+  <p:extLst>
+    <p:ext uri="{EFAFB233-063F-42B5-8137-9DF3F51BA10A}">
+      <p15:sldGuideLst xmlns:p15="http://schemas.microsoft.com/office/powerpoint/2012/main"/>
+    </p:ext>
+  </p:extLst>
 </p:presentation>
 </file>
 
@@ -3900,6 +3906,214 @@
 </p:sld>
 </file>
 
+<file path=ppt/slides/slide2.xml><?xml version="1.0" encoding="utf-8"?>
+<p:sld xmlns:a="http://schemas.openxmlformats.org/drawingml/2006/main" xmlns:r="http://schemas.openxmlformats.org/officeDocument/2006/relationships" xmlns:p="http://schemas.openxmlformats.org/presentationml/2006/main">
+  <p:cSld>
+    <p:spTree>
+      <p:nvGrpSpPr>
+        <p:cNvPr id="1" name=""/>
+        <p:cNvGrpSpPr/>
+        <p:nvPr/>
+      </p:nvGrpSpPr>
+      <p:grpSpPr>
+        <a:xfrm>
+          <a:off x="0" y="0"/>
+          <a:ext cx="0" cy="0"/>
+          <a:chOff x="0" y="0"/>
+          <a:chExt cx="0" cy="0"/>
+        </a:xfrm>
+      </p:grpSpPr>
+      <p:pic>
+        <p:nvPicPr>
+          <p:cNvPr id="4" name="图片 3">
+            <a:extLst>
+              <a:ext uri="{FF2B5EF4-FFF2-40B4-BE49-F238E27FC236}">
+                <a16:creationId xmlns:a16="http://schemas.microsoft.com/office/drawing/2014/main" id="{D8F709A4-0927-46CF-94C4-A03822649BAF}"/>
+              </a:ext>
+            </a:extLst>
+          </p:cNvPr>
+          <p:cNvPicPr>
+            <a:picLocks noChangeAspect="1"/>
+          </p:cNvPicPr>
+          <p:nvPr/>
+        </p:nvPicPr>
+        <p:blipFill>
+          <a:blip r:embed="rId2"/>
+          <a:stretch>
+            <a:fillRect/>
+          </a:stretch>
+        </p:blipFill>
+        <p:spPr>
+          <a:xfrm>
+            <a:off x="285492" y="1086875"/>
+            <a:ext cx="3517846" cy="3549209"/>
+          </a:xfrm>
+          <a:prstGeom prst="rect">
+            <a:avLst/>
+          </a:prstGeom>
+        </p:spPr>
+      </p:pic>
+      <p:pic>
+        <p:nvPicPr>
+          <p:cNvPr id="12" name="图片 11">
+            <a:extLst>
+              <a:ext uri="{FF2B5EF4-FFF2-40B4-BE49-F238E27FC236}">
+                <a16:creationId xmlns:a16="http://schemas.microsoft.com/office/drawing/2014/main" id="{48C9CDCD-CC93-4F23-9D5E-DF51574C11D5}"/>
+              </a:ext>
+            </a:extLst>
+          </p:cNvPr>
+          <p:cNvPicPr>
+            <a:picLocks noChangeAspect="1"/>
+          </p:cNvPicPr>
+          <p:nvPr/>
+        </p:nvPicPr>
+        <p:blipFill>
+          <a:blip r:embed="rId3"/>
+          <a:stretch>
+            <a:fillRect/>
+          </a:stretch>
+        </p:blipFill>
+        <p:spPr>
+          <a:xfrm>
+            <a:off x="3967112" y="1027359"/>
+            <a:ext cx="3932926" cy="3608725"/>
+          </a:xfrm>
+          <a:prstGeom prst="rect">
+            <a:avLst/>
+          </a:prstGeom>
+        </p:spPr>
+      </p:pic>
+      <p:sp>
+        <p:nvSpPr>
+          <p:cNvPr id="9" name="箭头: 右 8">
+            <a:extLst>
+              <a:ext uri="{FF2B5EF4-FFF2-40B4-BE49-F238E27FC236}">
+                <a16:creationId xmlns:a16="http://schemas.microsoft.com/office/drawing/2014/main" id="{BA0A3273-876D-4529-B412-1D5262E052B4}"/>
+              </a:ext>
+            </a:extLst>
+          </p:cNvPr>
+          <p:cNvSpPr/>
+          <p:nvPr/>
+        </p:nvSpPr>
+        <p:spPr>
+          <a:xfrm>
+            <a:off x="3467272" y="2482534"/>
+            <a:ext cx="467544" cy="310317"/>
+          </a:xfrm>
+          <a:prstGeom prst="rightArrow">
+            <a:avLst/>
+          </a:prstGeom>
+        </p:spPr>
+        <p:style>
+          <a:lnRef idx="3">
+            <a:schemeClr val="lt1"/>
+          </a:lnRef>
+          <a:fillRef idx="1">
+            <a:schemeClr val="accent2"/>
+          </a:fillRef>
+          <a:effectRef idx="1">
+            <a:schemeClr val="accent2"/>
+          </a:effectRef>
+          <a:fontRef idx="minor">
+            <a:schemeClr val="lt1"/>
+          </a:fontRef>
+        </p:style>
+        <p:txBody>
+          <a:bodyPr rtlCol="0" anchor="ctr"/>
+          <a:lstStyle/>
+          <a:p>
+            <a:pPr algn="ctr"/>
+            <a:endParaRPr lang="zh-CN" altLang="en-US"/>
+          </a:p>
+        </p:txBody>
+      </p:sp>
+      <p:sp>
+        <p:nvSpPr>
+          <p:cNvPr id="10" name="箭头: 右 9">
+            <a:extLst>
+              <a:ext uri="{FF2B5EF4-FFF2-40B4-BE49-F238E27FC236}">
+                <a16:creationId xmlns:a16="http://schemas.microsoft.com/office/drawing/2014/main" id="{7DA9B36C-86AA-48F6-9AED-D518C0C680DE}"/>
+              </a:ext>
+            </a:extLst>
+          </p:cNvPr>
+          <p:cNvSpPr/>
+          <p:nvPr/>
+        </p:nvSpPr>
+        <p:spPr>
+          <a:xfrm>
+            <a:off x="7596269" y="2482534"/>
+            <a:ext cx="467544" cy="310317"/>
+          </a:xfrm>
+          <a:prstGeom prst="rightArrow">
+            <a:avLst/>
+          </a:prstGeom>
+        </p:spPr>
+        <p:style>
+          <a:lnRef idx="3">
+            <a:schemeClr val="lt1"/>
+          </a:lnRef>
+          <a:fillRef idx="1">
+            <a:schemeClr val="accent2"/>
+          </a:fillRef>
+          <a:effectRef idx="1">
+            <a:schemeClr val="accent2"/>
+          </a:effectRef>
+          <a:fontRef idx="minor">
+            <a:schemeClr val="lt1"/>
+          </a:fontRef>
+        </p:style>
+        <p:txBody>
+          <a:bodyPr rtlCol="0" anchor="ctr"/>
+          <a:lstStyle/>
+          <a:p>
+            <a:pPr algn="ctr"/>
+            <a:endParaRPr lang="zh-CN" altLang="en-US"/>
+          </a:p>
+        </p:txBody>
+      </p:sp>
+      <p:pic>
+        <p:nvPicPr>
+          <p:cNvPr id="13" name="图片 12">
+            <a:extLst>
+              <a:ext uri="{FF2B5EF4-FFF2-40B4-BE49-F238E27FC236}">
+                <a16:creationId xmlns:a16="http://schemas.microsoft.com/office/drawing/2014/main" id="{6E94457B-864E-4DDF-833C-D63696C1DA9C}"/>
+              </a:ext>
+            </a:extLst>
+          </p:cNvPr>
+          <p:cNvPicPr>
+            <a:picLocks noChangeAspect="1"/>
+          </p:cNvPicPr>
+          <p:nvPr/>
+        </p:nvPicPr>
+        <p:blipFill>
+          <a:blip r:embed="rId4"/>
+          <a:stretch>
+            <a:fillRect/>
+          </a:stretch>
+        </p:blipFill>
+        <p:spPr>
+          <a:xfrm>
+            <a:off x="8063812" y="1027359"/>
+            <a:ext cx="3879434" cy="3701189"/>
+          </a:xfrm>
+          <a:prstGeom prst="rect">
+            <a:avLst/>
+          </a:prstGeom>
+        </p:spPr>
+      </p:pic>
+    </p:spTree>
+    <p:extLst>
+      <p:ext uri="{BB962C8B-B14F-4D97-AF65-F5344CB8AC3E}">
+        <p14:creationId xmlns:p14="http://schemas.microsoft.com/office/powerpoint/2010/main" val="2550451523"/>
+      </p:ext>
+    </p:extLst>
+  </p:cSld>
+  <p:clrMapOvr>
+    <a:masterClrMapping/>
+  </p:clrMapOvr>
+</p:sld>
+</file>
+
 <file path=ppt/theme/theme1.xml><?xml version="1.0" encoding="utf-8"?>
 <a:theme xmlns:a="http://schemas.openxmlformats.org/drawingml/2006/main" name="Office 主题​​">
   <a:themeElements>
